--- a/Documentation/Annexes/Maquettes_Schemas/Archers.pptx
+++ b/Documentation/Annexes/Maquettes_Schemas/Archers.pptx
@@ -201,7 +201,7 @@
           <a:p>
             <a:fld id="{F459C5D0-24B9-4346-B4D9-AD38729EF926}" type="datetimeFigureOut">
               <a:rPr lang="fr-CH" smtClean="0"/>
-              <a:t>31.03.2017</a:t>
+              <a:t>18.04.2017</a:t>
             </a:fld>
             <a:endParaRPr lang="fr-CH"/>
           </a:p>
@@ -764,7 +764,7 @@
           <a:p>
             <a:fld id="{7D5606EC-EEE6-4164-B387-938CDC67483E}" type="datetime1">
               <a:rPr lang="fr-CH" smtClean="0"/>
-              <a:t>31.03.2017</a:t>
+              <a:t>18.04.2017</a:t>
             </a:fld>
             <a:endParaRPr lang="fr-CH"/>
           </a:p>
@@ -945,7 +945,7 @@
           <a:p>
             <a:fld id="{22CE796F-CF1B-4A08-A4F5-4B3B471F300E}" type="datetime1">
               <a:rPr lang="fr-CH" smtClean="0"/>
-              <a:t>31.03.2017</a:t>
+              <a:t>18.04.2017</a:t>
             </a:fld>
             <a:endParaRPr lang="fr-CH"/>
           </a:p>
@@ -1129,7 +1129,7 @@
           <a:p>
             <a:fld id="{8A16C813-B93D-4094-845A-B4BB05D59414}" type="datetime1">
               <a:rPr lang="fr-CH" smtClean="0"/>
-              <a:t>31.03.2017</a:t>
+              <a:t>18.04.2017</a:t>
             </a:fld>
             <a:endParaRPr lang="fr-CH"/>
           </a:p>
@@ -1303,7 +1303,7 @@
           <a:p>
             <a:fld id="{F4AE0E7F-81D7-4F03-98EE-422E7928CFD4}" type="datetime1">
               <a:rPr lang="fr-CH" smtClean="0"/>
-              <a:t>31.03.2017</a:t>
+              <a:t>18.04.2017</a:t>
             </a:fld>
             <a:endParaRPr lang="fr-CH"/>
           </a:p>
@@ -1558,7 +1558,7 @@
           <a:p>
             <a:fld id="{16773F31-563D-44C7-94F1-F58E1E44DA56}" type="datetime1">
               <a:rPr lang="fr-CH" smtClean="0"/>
-              <a:t>31.03.2017</a:t>
+              <a:t>18.04.2017</a:t>
             </a:fld>
             <a:endParaRPr lang="fr-CH"/>
           </a:p>
@@ -1794,7 +1794,7 @@
           <a:p>
             <a:fld id="{52F18D8A-B6F9-4033-8B45-FCFC06ACA25D}" type="datetime1">
               <a:rPr lang="fr-CH" smtClean="0"/>
-              <a:t>31.03.2017</a:t>
+              <a:t>18.04.2017</a:t>
             </a:fld>
             <a:endParaRPr lang="fr-CH"/>
           </a:p>
@@ -2165,7 +2165,7 @@
           <a:p>
             <a:fld id="{2E827667-49CF-491C-BC0B-9B9CEAFBFFCC}" type="datetime1">
               <a:rPr lang="fr-CH" smtClean="0"/>
-              <a:t>31.03.2017</a:t>
+              <a:t>18.04.2017</a:t>
             </a:fld>
             <a:endParaRPr lang="fr-CH"/>
           </a:p>
@@ -2287,7 +2287,7 @@
           <a:p>
             <a:fld id="{A3682C05-4828-4B13-9115-A73CF233DA54}" type="datetime1">
               <a:rPr lang="fr-CH" smtClean="0"/>
-              <a:t>31.03.2017</a:t>
+              <a:t>18.04.2017</a:t>
             </a:fld>
             <a:endParaRPr lang="fr-CH"/>
           </a:p>
@@ -2386,7 +2386,7 @@
           <a:p>
             <a:fld id="{605693CB-DD0F-4260-B479-86D699A928FC}" type="datetime1">
               <a:rPr lang="fr-CH" smtClean="0"/>
-              <a:t>31.03.2017</a:t>
+              <a:t>18.04.2017</a:t>
             </a:fld>
             <a:endParaRPr lang="fr-CH"/>
           </a:p>
@@ -2667,7 +2667,7 @@
           <a:p>
             <a:fld id="{4F536DEB-6032-4DEB-8CBD-699A20CA9A3F}" type="datetime1">
               <a:rPr lang="fr-CH" smtClean="0"/>
-              <a:t>31.03.2017</a:t>
+              <a:t>18.04.2017</a:t>
             </a:fld>
             <a:endParaRPr lang="fr-CH"/>
           </a:p>
@@ -2928,7 +2928,7 @@
           <a:p>
             <a:fld id="{8079C111-7512-42EE-B946-54353DD96AE8}" type="datetime1">
               <a:rPr lang="fr-CH" smtClean="0"/>
-              <a:t>31.03.2017</a:t>
+              <a:t>18.04.2017</a:t>
             </a:fld>
             <a:endParaRPr lang="fr-CH"/>
           </a:p>
@@ -3145,7 +3145,7 @@
           <a:p>
             <a:fld id="{FA2A6F6F-E794-48D6-9FC1-A15C6A00B7FD}" type="datetime1">
               <a:rPr lang="fr-CH" smtClean="0"/>
-              <a:t>31.03.2017</a:t>
+              <a:t>18.04.2017</a:t>
             </a:fld>
             <a:endParaRPr lang="fr-CH"/>
           </a:p>
@@ -3621,11 +3621,18 @@
           <a:p>
             <a:r>
               <a:rPr lang="en-US" dirty="0" smtClean="0"/>
-              <a:t>Attention </a:t>
+              <a:t>Attention !!!</a:t>
+            </a:r>
+            <a:br>
+              <a:rPr lang="en-US" dirty="0" smtClean="0"/>
+            </a:br>
+            <a:r>
+              <a:rPr lang="en-US" dirty="0" smtClean="0"/>
+              <a:t>Ce </a:t>
             </a:r>
             <a:r>
               <a:rPr lang="en-US" dirty="0" err="1" smtClean="0"/>
-              <a:t>ce</a:t>
+              <a:t>sont</a:t>
             </a:r>
             <a:r>
               <a:rPr lang="en-US" dirty="0" smtClean="0"/>
@@ -3633,7 +3640,31 @@
             </a:r>
             <a:r>
               <a:rPr lang="en-US" dirty="0" err="1" smtClean="0"/>
-              <a:t>sont</a:t>
+              <a:t>juste</a:t>
+            </a:r>
+            <a:r>
+              <a:rPr lang="en-US" dirty="0" smtClean="0"/>
+              <a:t> des </a:t>
+            </a:r>
+            <a:r>
+              <a:rPr lang="en-US" dirty="0" err="1" smtClean="0"/>
+              <a:t>squelettes</a:t>
+            </a:r>
+            <a:r>
+              <a:rPr lang="en-US" dirty="0" smtClean="0"/>
+              <a:t>, pour </a:t>
+            </a:r>
+            <a:r>
+              <a:rPr lang="en-US" dirty="0" err="1" smtClean="0"/>
+              <a:t>voir</a:t>
+            </a:r>
+            <a:r>
+              <a:rPr lang="en-US" dirty="0" smtClean="0"/>
+              <a:t> plus </a:t>
+            </a:r>
+            <a:r>
+              <a:rPr lang="en-US" dirty="0" err="1" smtClean="0"/>
+              <a:t>ou</a:t>
             </a:r>
             <a:r>
               <a:rPr lang="en-US" dirty="0" smtClean="0"/>
@@ -3641,31 +3672,23 @@
             </a:r>
             <a:r>
               <a:rPr lang="en-US" dirty="0" err="1" smtClean="0"/>
-              <a:t>juste</a:t>
+              <a:t>moins</a:t>
             </a:r>
             <a:r>
               <a:rPr lang="en-US" dirty="0" smtClean="0"/>
-              <a:t> des </a:t>
+              <a:t> le </a:t>
             </a:r>
             <a:r>
               <a:rPr lang="en-US" dirty="0" err="1" smtClean="0"/>
-              <a:t>squelettes</a:t>
+              <a:t>fonctionnement</a:t>
             </a:r>
             <a:r>
               <a:rPr lang="en-US" dirty="0" smtClean="0"/>
-              <a:t> pour </a:t>
+              <a:t> de mon </a:t>
             </a:r>
             <a:r>
               <a:rPr lang="en-US" dirty="0" err="1" smtClean="0"/>
-              <a:t>voir</a:t>
-            </a:r>
-            <a:r>
-              <a:rPr lang="en-US" dirty="0" smtClean="0"/>
-              <a:t> plus </a:t>
-            </a:r>
-            <a:r>
-              <a:rPr lang="en-US" dirty="0" err="1" smtClean="0"/>
-              <a:t>ou</a:t>
+              <a:t>appli</a:t>
             </a:r>
             <a:r>
               <a:rPr lang="en-US" dirty="0" smtClean="0"/>
@@ -3673,23 +3696,15 @@
             </a:r>
             <a:r>
               <a:rPr lang="en-US" dirty="0" err="1" smtClean="0"/>
-              <a:t>moins</a:t>
+              <a:t>côté</a:t>
             </a:r>
             <a:r>
               <a:rPr lang="en-US" dirty="0" smtClean="0"/>
-              <a:t> le </a:t>
+              <a:t> Archers, </a:t>
             </a:r>
             <a:r>
               <a:rPr lang="en-US" dirty="0" err="1" smtClean="0"/>
-              <a:t>fonctionnement</a:t>
-            </a:r>
-            <a:r>
-              <a:rPr lang="en-US" dirty="0" smtClean="0"/>
-              <a:t> de mon </a:t>
-            </a:r>
-            <a:r>
-              <a:rPr lang="en-US" dirty="0" err="1" smtClean="0"/>
-              <a:t>appli</a:t>
+              <a:t>il</a:t>
             </a:r>
             <a:r>
               <a:rPr lang="en-US" dirty="0" smtClean="0"/>
@@ -3697,14 +3712,6 @@
             </a:r>
             <a:r>
               <a:rPr lang="en-US" dirty="0" err="1" smtClean="0"/>
-              <a:t>côté</a:t>
-            </a:r>
-            <a:r>
-              <a:rPr lang="en-US" dirty="0" smtClean="0"/>
-              <a:t> Archers, Il </a:t>
-            </a:r>
-            <a:r>
-              <a:rPr lang="en-US" dirty="0" err="1" smtClean="0"/>
               <a:t>faut</a:t>
             </a:r>
             <a:r>
@@ -3717,15 +3724,7 @@
             </a:r>
             <a:r>
               <a:rPr lang="en-US" dirty="0" smtClean="0"/>
-              <a:t> du </a:t>
-            </a:r>
-            <a:r>
-              <a:rPr lang="en-US" dirty="0" err="1" smtClean="0"/>
-              <a:t>FrameWork</a:t>
-            </a:r>
-            <a:r>
-              <a:rPr lang="en-US" dirty="0" smtClean="0"/>
-              <a:t> CSS </a:t>
+              <a:t> du Framework CSS </a:t>
             </a:r>
             <a:r>
               <a:rPr lang="en-US" dirty="0" err="1" smtClean="0"/>
@@ -3745,7 +3744,7 @@
             </a:r>
             <a:r>
               <a:rPr lang="en-US" dirty="0" err="1" smtClean="0"/>
-              <a:t>remplacés</a:t>
+              <a:t>remplacer</a:t>
             </a:r>
             <a:r>
               <a:rPr lang="en-US" dirty="0" smtClean="0"/>
@@ -3762,6 +3761,10 @@
             <a:r>
               <a:rPr lang="en-US" dirty="0" err="1" smtClean="0"/>
               <a:t>éléments</a:t>
+            </a:r>
+            <a:r>
+              <a:rPr lang="en-US" smtClean="0"/>
+              <a:t>.</a:t>
             </a:r>
             <a:endParaRPr lang="fr-CH" dirty="0"/>
           </a:p>
@@ -3784,7 +3787,7 @@
           <a:p>
             <a:fld id="{0E61E8A9-4883-4A79-9B44-66B2AA4EE84B}" type="datetime1">
               <a:rPr lang="fr-CH" smtClean="0"/>
-              <a:t>31.03.2017</a:t>
+              <a:t>18.04.2017</a:t>
             </a:fld>
             <a:endParaRPr lang="fr-CH"/>
           </a:p>
@@ -4203,11 +4206,7 @@
             </a:r>
             <a:r>
               <a:rPr lang="en-US" b="1" dirty="0" smtClean="0"/>
-              <a:t>ocalhost:3000</a:t>
-            </a:r>
-            <a:r>
-              <a:rPr lang="en-US" b="1" dirty="0" smtClean="0"/>
-              <a:t>/#/</a:t>
+              <a:t>ocalhost:3000/#/</a:t>
             </a:r>
             <a:endParaRPr lang="fr-CH" b="1" dirty="0"/>
           </a:p>
@@ -4368,7 +4367,7 @@
           <a:p>
             <a:fld id="{50236D41-1E3D-48DB-BDFD-2224CEAE798D}" type="datetime1">
               <a:rPr lang="fr-CH" smtClean="0"/>
-              <a:t>31.03.2017</a:t>
+              <a:t>18.04.2017</a:t>
             </a:fld>
             <a:endParaRPr lang="fr-CH"/>
           </a:p>
@@ -4723,11 +4722,7 @@
           <a:p>
             <a:r>
               <a:rPr lang="en-US" b="1" dirty="0" smtClean="0"/>
-              <a:t>localhost:3000</a:t>
-            </a:r>
-            <a:r>
-              <a:rPr lang="en-US" b="1" dirty="0" smtClean="0"/>
-              <a:t>/#/dashboard</a:t>
+              <a:t>localhost:3000/#/dashboard</a:t>
             </a:r>
             <a:endParaRPr lang="fr-CH" b="1" dirty="0"/>
           </a:p>
@@ -6357,7 +6352,7 @@
           <a:p>
             <a:fld id="{2F05B1DD-191C-4DCE-B6DC-917FF72EA206}" type="datetime1">
               <a:rPr lang="fr-CH" smtClean="0"/>
-              <a:t>31.03.2017</a:t>
+              <a:t>18.04.2017</a:t>
             </a:fld>
             <a:endParaRPr lang="fr-CH"/>
           </a:p>
@@ -6470,11 +6465,7 @@
           <a:p>
             <a:r>
               <a:rPr lang="en-US" b="1" dirty="0" smtClean="0"/>
-              <a:t>localhost:3000</a:t>
-            </a:r>
-            <a:r>
-              <a:rPr lang="en-US" b="1" dirty="0" smtClean="0"/>
-              <a:t>/#/</a:t>
+              <a:t>localhost:3000/#/</a:t>
             </a:r>
             <a:r>
               <a:rPr lang="en-US" b="1" dirty="0" err="1" smtClean="0"/>
@@ -7633,7 +7624,7 @@
           <a:p>
             <a:fld id="{D4DB5EC1-5284-4C2C-8C0A-543E814CDC76}" type="datetime1">
               <a:rPr lang="fr-CH" smtClean="0"/>
-              <a:t>31.03.2017</a:t>
+              <a:t>18.04.2017</a:t>
             </a:fld>
             <a:endParaRPr lang="fr-CH"/>
           </a:p>
@@ -8209,11 +8200,7 @@
           <a:p>
             <a:r>
               <a:rPr lang="en-US" b="1" dirty="0" smtClean="0"/>
-              <a:t>localhost:3000</a:t>
-            </a:r>
-            <a:r>
-              <a:rPr lang="en-US" b="1" dirty="0" smtClean="0"/>
-              <a:t>/#/</a:t>
+              <a:t>localhost:3000/#/</a:t>
             </a:r>
             <a:r>
               <a:rPr lang="en-US" b="1" dirty="0" err="1" smtClean="0">
@@ -8242,7 +8229,7 @@
           <a:p>
             <a:fld id="{D6D82E59-B955-4847-A43E-ABC2F871E8E3}" type="datetime1">
               <a:rPr lang="fr-CH" smtClean="0"/>
-              <a:t>31.03.2017</a:t>
+              <a:t>18.04.2017</a:t>
             </a:fld>
             <a:endParaRPr lang="fr-CH"/>
           </a:p>
